--- a/data/geografija/prezentacije/E1_001_Osnovni_pojmovi_ekonomske_geo.pptx
+++ b/data/geografija/prezentacije/E1_001_Osnovni_pojmovi_ekonomske_geo.pptx
@@ -205,7 +205,7 @@
             <a:fld id="{FCB922A3-0C2E-4D94-AFF5-90A2C0AB44AC}" type="datetimeFigureOut">
               <a:rPr lang="hr-HR" smtClean="0"/>
               <a:pPr/>
-              <a:t>12.10.2019.</a:t>
+              <a:t>28.10.2019.</a:t>
             </a:fld>
             <a:endParaRPr lang="hr-HR"/>
           </a:p>
@@ -372,7 +372,7 @@
             <a:fld id="{1542121D-D7BC-4175-A702-9B7BBD6019B1}" type="datetimeFigureOut">
               <a:rPr lang="sr-Latn-CS" smtClean="0"/>
               <a:pPr/>
-              <a:t>12.10.2019.</a:t>
+              <a:t>28.10.2019.</a:t>
             </a:fld>
             <a:endParaRPr lang="hr-HR"/>
           </a:p>
@@ -833,7 +833,7 @@
             <a:fld id="{FDC1A071-2A74-455A-A49A-8BB21E4AC2F6}" type="datetimeFigureOut">
               <a:rPr lang="sr-Latn-CS" smtClean="0"/>
               <a:pPr/>
-              <a:t>12.10.2019.</a:t>
+              <a:t>28.10.2019.</a:t>
             </a:fld>
             <a:endParaRPr lang="hr-HR"/>
           </a:p>
@@ -1111,7 +1111,7 @@
             <a:fld id="{FDC1A071-2A74-455A-A49A-8BB21E4AC2F6}" type="datetimeFigureOut">
               <a:rPr lang="sr-Latn-CS" smtClean="0"/>
               <a:pPr/>
-              <a:t>12.10.2019.</a:t>
+              <a:t>28.10.2019.</a:t>
             </a:fld>
             <a:endParaRPr lang="hr-HR"/>
           </a:p>
@@ -1302,7 +1302,7 @@
             <a:fld id="{FDC1A071-2A74-455A-A49A-8BB21E4AC2F6}" type="datetimeFigureOut">
               <a:rPr lang="sr-Latn-CS" smtClean="0"/>
               <a:pPr/>
-              <a:t>12.10.2019.</a:t>
+              <a:t>28.10.2019.</a:t>
             </a:fld>
             <a:endParaRPr lang="hr-HR"/>
           </a:p>
@@ -1503,7 +1503,7 @@
             <a:fld id="{FDC1A071-2A74-455A-A49A-8BB21E4AC2F6}" type="datetimeFigureOut">
               <a:rPr lang="sr-Latn-CS" smtClean="0"/>
               <a:pPr/>
-              <a:t>12.10.2019.</a:t>
+              <a:t>28.10.2019.</a:t>
             </a:fld>
             <a:endParaRPr lang="hr-HR"/>
           </a:p>
@@ -1764,7 +1764,7 @@
                 </a:solidFill>
               </a:rPr>
               <a:pPr/>
-              <a:t>12.10.2019.</a:t>
+              <a:t>28.10.2019.</a:t>
             </a:fld>
             <a:endParaRPr lang="hr-HR">
               <a:solidFill>
@@ -2231,7 +2231,7 @@
                 </a:solidFill>
               </a:rPr>
               <a:pPr/>
-              <a:t>12.10.2019.</a:t>
+              <a:t>28.10.2019.</a:t>
             </a:fld>
             <a:endParaRPr lang="hr-HR">
               <a:solidFill>
@@ -2554,7 +2554,7 @@
                 </a:solidFill>
               </a:rPr>
               <a:pPr/>
-              <a:t>12.10.2019.</a:t>
+              <a:t>28.10.2019.</a:t>
             </a:fld>
             <a:endParaRPr lang="hr-HR">
               <a:solidFill>
@@ -3011,7 +3011,7 @@
                 </a:solidFill>
               </a:rPr>
               <a:pPr/>
-              <a:t>12.10.2019.</a:t>
+              <a:t>28.10.2019.</a:t>
             </a:fld>
             <a:endParaRPr lang="hr-HR">
               <a:solidFill>
@@ -3164,7 +3164,7 @@
                 </a:solidFill>
               </a:rPr>
               <a:pPr/>
-              <a:t>12.10.2019.</a:t>
+              <a:t>28.10.2019.</a:t>
             </a:fld>
             <a:endParaRPr lang="hr-HR">
               <a:solidFill>
@@ -3294,7 +3294,7 @@
                 </a:solidFill>
               </a:rPr>
               <a:pPr/>
-              <a:t>12.10.2019.</a:t>
+              <a:t>28.10.2019.</a:t>
             </a:fld>
             <a:endParaRPr lang="hr-HR">
               <a:solidFill>
@@ -3784,7 +3784,7 @@
                 </a:solidFill>
               </a:rPr>
               <a:pPr/>
-              <a:t>12.10.2019.</a:t>
+              <a:t>28.10.2019.</a:t>
             </a:fld>
             <a:endParaRPr lang="hr-HR">
               <a:solidFill>
@@ -4072,7 +4072,7 @@
                 </a:solidFill>
               </a:rPr>
               <a:pPr/>
-              <a:t>12.10.2019.</a:t>
+              <a:t>28.10.2019.</a:t>
             </a:fld>
             <a:endParaRPr lang="hr-HR">
               <a:solidFill>
@@ -4277,7 +4277,7 @@
                 </a:solidFill>
               </a:rPr>
               <a:pPr/>
-              <a:t>12.10.2019.</a:t>
+              <a:t>28.10.2019.</a:t>
             </a:fld>
             <a:endParaRPr lang="hr-HR">
               <a:solidFill>
@@ -4492,7 +4492,7 @@
                 </a:solidFill>
               </a:rPr>
               <a:pPr/>
-              <a:t>12.10.2019.</a:t>
+              <a:t>28.10.2019.</a:t>
             </a:fld>
             <a:endParaRPr lang="hr-HR">
               <a:solidFill>
@@ -4960,7 +4960,7 @@
             <a:fld id="{FDC1A071-2A74-455A-A49A-8BB21E4AC2F6}" type="datetimeFigureOut">
               <a:rPr lang="sr-Latn-CS" smtClean="0"/>
               <a:pPr/>
-              <a:t>12.10.2019.</a:t>
+              <a:t>28.10.2019.</a:t>
             </a:fld>
             <a:endParaRPr lang="hr-HR"/>
           </a:p>
@@ -5269,7 +5269,7 @@
             <a:fld id="{FDC1A071-2A74-455A-A49A-8BB21E4AC2F6}" type="datetimeFigureOut">
               <a:rPr lang="sr-Latn-CS" smtClean="0"/>
               <a:pPr/>
-              <a:t>12.10.2019.</a:t>
+              <a:t>28.10.2019.</a:t>
             </a:fld>
             <a:endParaRPr lang="hr-HR"/>
           </a:p>
@@ -5712,7 +5712,7 @@
             <a:fld id="{FDC1A071-2A74-455A-A49A-8BB21E4AC2F6}" type="datetimeFigureOut">
               <a:rPr lang="sr-Latn-CS" smtClean="0"/>
               <a:pPr/>
-              <a:t>12.10.2019.</a:t>
+              <a:t>28.10.2019.</a:t>
             </a:fld>
             <a:endParaRPr lang="hr-HR"/>
           </a:p>
@@ -5851,7 +5851,7 @@
             <a:fld id="{FDC1A071-2A74-455A-A49A-8BB21E4AC2F6}" type="datetimeFigureOut">
               <a:rPr lang="sr-Latn-CS" smtClean="0"/>
               <a:pPr/>
-              <a:t>12.10.2019.</a:t>
+              <a:t>28.10.2019.</a:t>
             </a:fld>
             <a:endParaRPr lang="hr-HR"/>
           </a:p>
@@ -5967,7 +5967,7 @@
             <a:fld id="{FDC1A071-2A74-455A-A49A-8BB21E4AC2F6}" type="datetimeFigureOut">
               <a:rPr lang="sr-Latn-CS" smtClean="0"/>
               <a:pPr/>
-              <a:t>12.10.2019.</a:t>
+              <a:t>28.10.2019.</a:t>
             </a:fld>
             <a:endParaRPr lang="hr-HR"/>
           </a:p>
@@ -6265,7 +6265,7 @@
             <a:fld id="{FDC1A071-2A74-455A-A49A-8BB21E4AC2F6}" type="datetimeFigureOut">
               <a:rPr lang="sr-Latn-CS" smtClean="0"/>
               <a:pPr/>
-              <a:t>12.10.2019.</a:t>
+              <a:t>28.10.2019.</a:t>
             </a:fld>
             <a:endParaRPr lang="hr-HR"/>
           </a:p>
@@ -6884,7 +6884,7 @@
                 </a:solidFill>
               </a:rPr>
               <a:pPr/>
-              <a:t>12.10.2019.</a:t>
+              <a:t>28.10.2019.</a:t>
             </a:fld>
             <a:endParaRPr lang="hr-HR">
               <a:solidFill>
@@ -7287,36 +7287,96 @@
           <a:chExt cx="0" cy="0"/>
         </a:xfrm>
       </p:grpSpPr>
-      <p:pic>
-        <p:nvPicPr>
-          <p:cNvPr id="5" name="Picture 4"/>
-          <p:cNvPicPr>
-            <a:picLocks noChangeAspect="1"/>
-          </p:cNvPicPr>
+      <p:grpSp>
+        <p:nvGrpSpPr>
+          <p:cNvPr id="8" name="Group 7"/>
+          <p:cNvGrpSpPr/>
           <p:nvPr/>
-        </p:nvPicPr>
-        <p:blipFill>
-          <a:blip r:embed="rId2">
-            <a:extLst>
-              <a:ext uri="{28A0092B-C50C-407E-A947-70E740481C1C}">
-                <a14:useLocalDpi xmlns:a14="http://schemas.microsoft.com/office/drawing/2010/main" val="0"/>
-              </a:ext>
-            </a:extLst>
-          </a:blip>
-          <a:stretch>
-            <a:fillRect/>
-          </a:stretch>
-        </p:blipFill>
-        <p:spPr>
+        </p:nvGrpSpPr>
+        <p:grpSpPr>
           <a:xfrm>
-            <a:off x="3076" y="0"/>
-            <a:ext cx="9137847" cy="6858000"/>
+            <a:off x="0" y="0"/>
+            <a:ext cx="9144000" cy="6858000"/>
+            <a:chOff x="0" y="0"/>
+            <a:chExt cx="9144000" cy="6858000"/>
           </a:xfrm>
-          <a:prstGeom prst="rect">
-            <a:avLst/>
-          </a:prstGeom>
-        </p:spPr>
-      </p:pic>
+        </p:grpSpPr>
+        <p:sp>
+          <p:nvSpPr>
+            <p:cNvPr id="9" name="Rectangle 8"/>
+            <p:cNvSpPr/>
+            <p:nvPr/>
+          </p:nvSpPr>
+          <p:spPr>
+            <a:xfrm>
+              <a:off x="0" y="0"/>
+              <a:ext cx="9144000" cy="6858000"/>
+            </a:xfrm>
+            <a:prstGeom prst="rect">
+              <a:avLst/>
+            </a:prstGeom>
+            <a:solidFill>
+              <a:schemeClr val="tx1"/>
+            </a:solidFill>
+            <a:ln>
+              <a:noFill/>
+            </a:ln>
+          </p:spPr>
+          <p:style>
+            <a:lnRef idx="2">
+              <a:schemeClr val="accent1">
+                <a:shade val="50000"/>
+              </a:schemeClr>
+            </a:lnRef>
+            <a:fillRef idx="1">
+              <a:schemeClr val="accent1"/>
+            </a:fillRef>
+            <a:effectRef idx="0">
+              <a:schemeClr val="accent1"/>
+            </a:effectRef>
+            <a:fontRef idx="minor">
+              <a:schemeClr val="lt1"/>
+            </a:fontRef>
+          </p:style>
+          <p:txBody>
+            <a:bodyPr rtlCol="0" anchor="ctr"/>
+            <a:lstStyle/>
+            <a:p>
+              <a:pPr algn="ctr"/>
+              <a:endParaRPr lang="hr-HR"/>
+            </a:p>
+          </p:txBody>
+        </p:sp>
+        <p:pic>
+          <p:nvPicPr>
+            <p:cNvPr id="10" name="Picture 9"/>
+            <p:cNvPicPr>
+              <a:picLocks noChangeAspect="1"/>
+            </p:cNvPicPr>
+            <p:nvPr/>
+          </p:nvPicPr>
+          <p:blipFill rotWithShape="1">
+            <a:blip r:embed="rId2">
+              <a:extLst>
+                <a:ext uri="{28A0092B-C50C-407E-A947-70E740481C1C}">
+                  <a14:useLocalDpi xmlns:a14="http://schemas.microsoft.com/office/drawing/2010/main" val="0"/>
+                </a:ext>
+              </a:extLst>
+            </a:blip>
+            <a:srcRect l="14420" r="13726"/>
+            <a:stretch/>
+          </p:blipFill>
+          <p:spPr>
+            <a:xfrm>
+              <a:off x="1320799" y="0"/>
+              <a:ext cx="6565901" cy="6858000"/>
+            </a:xfrm>
+            <a:prstGeom prst="rect">
+              <a:avLst/>
+            </a:prstGeom>
+          </p:spPr>
+        </p:pic>
+      </p:grpSp>
       <p:sp>
         <p:nvSpPr>
           <p:cNvPr id="6" name="Rectangle 5"/>
@@ -7950,13 +8010,13 @@
   <p:clrMapOvr>
     <a:masterClrMapping/>
   </p:clrMapOvr>
-  <mc:AlternateContent xmlns:mc="http://schemas.openxmlformats.org/markup-compatibility/2006">
-    <mc:Choice xmlns:p14="http://schemas.microsoft.com/office/powerpoint/2010/main" Requires="p14">
+  <mc:AlternateContent xmlns:mc="http://schemas.openxmlformats.org/markup-compatibility/2006" xmlns:p14="http://schemas.microsoft.com/office/powerpoint/2010/main">
+    <mc:Choice Requires="p14">
       <p:transition>
         <p14:reveal/>
       </p:transition>
     </mc:Choice>
-    <mc:Fallback>
+    <mc:Fallback xmlns="">
       <p:transition>
         <p:fade/>
       </p:transition>
@@ -10588,15 +10648,7 @@
                   <a:prstClr val="black"/>
                 </a:solidFill>
               </a:rPr>
-              <a:t>dio </a:t>
-            </a:r>
-            <a:r>
-              <a:rPr lang="hr-HR" sz="2200" dirty="0" smtClean="0">
-                <a:solidFill>
-                  <a:prstClr val="black"/>
-                </a:solidFill>
-              </a:rPr>
-              <a:t>je društvene (ili socijalne) geografije</a:t>
+              <a:t>dio je društvene (ili socijalne) geografije</a:t>
             </a:r>
           </a:p>
           <a:p>
@@ -11771,11 +11823,7 @@
             </a:r>
             <a:r>
               <a:rPr lang="hr-HR" sz="2200" dirty="0" smtClean="0"/>
-              <a:t>– </a:t>
-            </a:r>
-            <a:r>
-              <a:rPr lang="hr-HR" sz="2200" dirty="0" smtClean="0"/>
-              <a:t>dijelovi Zemljine površine sličnih prirodno-geografskih, društveno-gospodarskih i povijesnih obilježja</a:t>
+              <a:t>– dijelovi Zemljine površine sličnih prirodno-geografskih, društveno-gospodarskih i povijesnih obilježja</a:t>
             </a:r>
           </a:p>
           <a:p>
@@ -11810,27 +11858,7 @@
                 <a:ea typeface="Calibri"/>
                 <a:cs typeface="Times New Roman"/>
               </a:rPr>
-              <a:t>bilježe</a:t>
-            </a:r>
-            <a:r>
-              <a:rPr lang="hr-HR" sz="2000" dirty="0">
-                <a:highlight>
-                  <a:srgbClr val="FFFF00"/>
-                </a:highlight>
-                <a:ea typeface="Calibri"/>
-                <a:cs typeface="Times New Roman"/>
-              </a:rPr>
-              <a:t> </a:t>
-            </a:r>
-            <a:r>
-              <a:rPr lang="hr-HR" sz="2000" dirty="0">
-                <a:highlight>
-                  <a:srgbClr val="FFFF00"/>
-                </a:highlight>
-                <a:ea typeface="Calibri"/>
-                <a:cs typeface="Times New Roman"/>
-              </a:rPr>
-              <a:t>rast zaposlenosti</a:t>
+              <a:t>bilježe rast zaposlenosti</a:t>
             </a:r>
             <a:r>
               <a:rPr lang="hr-HR" sz="2000" dirty="0" smtClean="0"/>
@@ -12502,11 +12530,7 @@
             </a:r>
             <a:r>
               <a:rPr lang="hr-HR" sz="2200" dirty="0" smtClean="0"/>
-              <a:t>– </a:t>
-            </a:r>
-            <a:r>
-              <a:rPr lang="hr-HR" sz="2200" dirty="0" smtClean="0"/>
-              <a:t>geografska disciplina o prostornim strukturama, međusobnim odnosima i procesima u gospodarskim djelatnostima</a:t>
+              <a:t>– geografska disciplina o prostornim strukturama, međusobnim odnosima i procesima u gospodarskim djelatnostima</a:t>
             </a:r>
           </a:p>
           <a:p>
@@ -12532,11 +12556,7 @@
             </a:r>
             <a:r>
               <a:rPr lang="hr-HR" sz="2200" dirty="0" smtClean="0"/>
-              <a:t>– </a:t>
-            </a:r>
-            <a:r>
-              <a:rPr lang="hr-HR" sz="2200" dirty="0" smtClean="0"/>
-              <a:t>znanost o gospodarskom stanju i odnosima, </a:t>
+              <a:t>– znanost o gospodarskom stanju i odnosima, </a:t>
             </a:r>
             <a:r>
               <a:rPr lang="hr-HR" sz="2200" dirty="0" err="1" smtClean="0"/>
@@ -12568,11 +12588,7 @@
             </a:r>
             <a:r>
               <a:rPr lang="hr-HR" sz="2200" dirty="0" smtClean="0"/>
-              <a:t>– </a:t>
-            </a:r>
-            <a:r>
-              <a:rPr lang="hr-HR" sz="2200" dirty="0" smtClean="0"/>
-              <a:t>znanost koja proučava na koji način društva upotrebljavaju resurse za proizvodnju korisnih dobara i kako ih raspoređuju između različitih skupina</a:t>
+              <a:t>– znanost koja proučava na koji način društva upotrebljavaju resurse za proizvodnju korisnih dobara i kako ih raspoređuju između različitih skupina</a:t>
             </a:r>
           </a:p>
           <a:p>
@@ -12602,11 +12618,7 @@
             </a:r>
             <a:r>
               <a:rPr lang="hr-HR" sz="2200" dirty="0" smtClean="0"/>
-              <a:t>– </a:t>
-            </a:r>
-            <a:r>
-              <a:rPr lang="hr-HR" sz="2200" dirty="0" smtClean="0"/>
-              <a:t>proučava ponašanje cjelokupnog gospodarstva</a:t>
+              <a:t>– proučava ponašanje cjelokupnog gospodarstva</a:t>
             </a:r>
           </a:p>
           <a:p>
@@ -12629,11 +12641,7 @@
             </a:r>
             <a:r>
               <a:rPr lang="hr-HR" sz="2200" dirty="0" smtClean="0"/>
-              <a:t>– </a:t>
-            </a:r>
-            <a:r>
-              <a:rPr lang="hr-HR" sz="2200" dirty="0" smtClean="0"/>
-              <a:t>proučava ponašanje dijelove gospodarstva</a:t>
+              <a:t>– proučava ponašanje dijelove gospodarstva</a:t>
             </a:r>
             <a:endParaRPr lang="hr-HR" sz="2200" dirty="0"/>
           </a:p>
@@ -13293,13 +13301,13 @@
   <p:clrMapOvr>
     <a:masterClrMapping/>
   </p:clrMapOvr>
-  <mc:AlternateContent xmlns:mc="http://schemas.openxmlformats.org/markup-compatibility/2006">
-    <mc:Choice xmlns:p14="http://schemas.microsoft.com/office/powerpoint/2010/main" Requires="p14">
+  <mc:AlternateContent xmlns:mc="http://schemas.openxmlformats.org/markup-compatibility/2006" xmlns:p14="http://schemas.microsoft.com/office/powerpoint/2010/main">
+    <mc:Choice Requires="p14">
       <p:transition>
         <p14:reveal/>
       </p:transition>
     </mc:Choice>
-    <mc:Fallback>
+    <mc:Fallback xmlns="">
       <p:transition>
         <p:fade/>
       </p:transition>
